--- a/airbnb using bilstm.pptx
+++ b/airbnb using bilstm.pptx
@@ -8602,12 +8602,52 @@
           <a:chExt cx="0" cy="0"/>
         </a:xfrm>
       </p:grpSpPr>
+      <p:sp>
+        <p:nvSpPr>
+          <p:cNvPr id="4" name="TextBox 3">
+            <a:extLst>
+              <a:ext uri="{FF2B5EF4-FFF2-40B4-BE49-F238E27FC236}">
+                <a16:creationId xmlns:a16="http://schemas.microsoft.com/office/drawing/2014/main" id="{E68DC1B8-7F97-C1F5-41D5-6AD414BE2D69}"/>
+              </a:ext>
+            </a:extLst>
+          </p:cNvPr>
+          <p:cNvSpPr txBox="1"/>
+          <p:nvPr/>
+        </p:nvSpPr>
+        <p:spPr>
+          <a:xfrm>
+            <a:off x="2908406" y="3314047"/>
+            <a:ext cx="4575842" cy="261610"/>
+          </a:xfrm>
+          <a:prstGeom prst="rect">
+            <a:avLst/>
+          </a:prstGeom>
+          <a:noFill/>
+        </p:spPr>
+        <p:txBody>
+          <a:bodyPr wrap="square">
+            <a:spAutoFit/>
+          </a:bodyPr>
+          <a:lstStyle/>
+          <a:p>
+            <a:r>
+              <a:rPr lang="en-US" sz="1100" dirty="0">
+                <a:effectLst/>
+                <a:latin typeface="Times New Roman" panose="02020603050405020304" pitchFamily="18" charset="0"/>
+                <a:ea typeface="Times New Roman" panose="02020603050405020304" pitchFamily="18" charset="0"/>
+              </a:rPr>
+              <a:t>Fig 5. scores</a:t>
+            </a:r>
+            <a:endParaRPr lang="en-US" sz="1100" dirty="0"/>
+          </a:p>
+        </p:txBody>
+      </p:sp>
       <p:pic>
         <p:nvPicPr>
-          <p:cNvPr id="3" name="Picture 2">
+          <p:cNvPr id="7" name="Picture 6">
             <a:extLst>
               <a:ext uri="{FF2B5EF4-FFF2-40B4-BE49-F238E27FC236}">
-                <a16:creationId xmlns:a16="http://schemas.microsoft.com/office/drawing/2014/main" id="{B96E23D0-1562-1015-4D6A-C912879BFC1E}"/>
+                <a16:creationId xmlns:a16="http://schemas.microsoft.com/office/drawing/2014/main" id="{57DCF323-8A38-08A0-5469-5B576BEBA5C1}"/>
               </a:ext>
             </a:extLst>
           </p:cNvPr>
@@ -8624,54 +8664,14 @@
         </p:blipFill>
         <p:spPr>
           <a:xfrm>
-            <a:off x="407254" y="876646"/>
-            <a:ext cx="6654373" cy="3067478"/>
+            <a:off x="1659752" y="1803672"/>
+            <a:ext cx="4719681" cy="1536155"/>
           </a:xfrm>
           <a:prstGeom prst="rect">
             <a:avLst/>
           </a:prstGeom>
         </p:spPr>
       </p:pic>
-      <p:sp>
-        <p:nvSpPr>
-          <p:cNvPr id="4" name="TextBox 3">
-            <a:extLst>
-              <a:ext uri="{FF2B5EF4-FFF2-40B4-BE49-F238E27FC236}">
-                <a16:creationId xmlns:a16="http://schemas.microsoft.com/office/drawing/2014/main" id="{E68DC1B8-7F97-C1F5-41D5-6AD414BE2D69}"/>
-              </a:ext>
-            </a:extLst>
-          </p:cNvPr>
-          <p:cNvSpPr txBox="1"/>
-          <p:nvPr/>
-        </p:nvSpPr>
-        <p:spPr>
-          <a:xfrm>
-            <a:off x="2971800" y="4036022"/>
-            <a:ext cx="4575842" cy="230832"/>
-          </a:xfrm>
-          <a:prstGeom prst="rect">
-            <a:avLst/>
-          </a:prstGeom>
-          <a:noFill/>
-        </p:spPr>
-        <p:txBody>
-          <a:bodyPr wrap="square">
-            <a:spAutoFit/>
-          </a:bodyPr>
-          <a:lstStyle/>
-          <a:p>
-            <a:r>
-              <a:rPr lang="en-US" sz="900" dirty="0">
-                <a:effectLst/>
-                <a:latin typeface="Times New Roman" panose="02020603050405020304" pitchFamily="18" charset="0"/>
-                <a:ea typeface="Times New Roman" panose="02020603050405020304" pitchFamily="18" charset="0"/>
-              </a:rPr>
-              <a:t>Fig 5. scores</a:t>
-            </a:r>
-            <a:endParaRPr lang="en-US" sz="900" dirty="0"/>
-          </a:p>
-        </p:txBody>
-      </p:sp>
     </p:spTree>
     <p:extLst>
       <p:ext uri="{BB962C8B-B14F-4D97-AF65-F5344CB8AC3E}">
